--- a/Hvordan gikk det med ungdom som vokste opp i Trøndelag ved årtusenskiftet/ppt/Fosen.pptx
+++ b/Hvordan gikk det med ungdom som vokste opp i Trøndelag ved årtusenskiftet/ppt/Fosen.pptx
@@ -2,20 +2,20 @@
 <file path=ppt/presentation.xml><?xml version="1.0" encoding="utf-8"?>
 <p:presentation xmlns:a="http://schemas.openxmlformats.org/drawingml/2006/main" xmlns:r="http://schemas.openxmlformats.org/officeDocument/2006/relationships" xmlns:p="http://schemas.openxmlformats.org/presentationml/2006/main" saveSubsetFonts="1">
   <p:sldMasterIdLst>
-    <p:sldMasterId id="2147483660" r:id="rId1"/>
+    <p:sldMasterId id="2147483660" r:id="rId4"/>
   </p:sldMasterIdLst>
   <p:notesMasterIdLst>
-    <p:notesMasterId r:id="rId10"/>
+    <p:notesMasterId r:id="rId13"/>
   </p:notesMasterIdLst>
   <p:sldIdLst>
-    <p:sldId id="3438" r:id="rId2"/>
-    <p:sldId id="3439" r:id="rId3"/>
-    <p:sldId id="3441" r:id="rId4"/>
-    <p:sldId id="3442" r:id="rId5"/>
-    <p:sldId id="3443" r:id="rId6"/>
-    <p:sldId id="3444" r:id="rId7"/>
-    <p:sldId id="3445" r:id="rId8"/>
-    <p:sldId id="258" r:id="rId9"/>
+    <p:sldId id="3438" r:id="rId5"/>
+    <p:sldId id="3439" r:id="rId6"/>
+    <p:sldId id="3441" r:id="rId7"/>
+    <p:sldId id="3442" r:id="rId8"/>
+    <p:sldId id="3443" r:id="rId9"/>
+    <p:sldId id="3444" r:id="rId10"/>
+    <p:sldId id="3445" r:id="rId11"/>
+    <p:sldId id="258" r:id="rId12"/>
   </p:sldIdLst>
   <p:sldSz cx="12192000" cy="6858000"/>
   <p:notesSz cx="6858000" cy="9144000"/>
@@ -120,6 +120,35 @@
     </p:ext>
   </p:extLst>
 </p:presentation>
+</file>
+
+<file path=ppt/changesInfos/changesInfo1.xml><?xml version="1.0" encoding="utf-8"?>
+<pc:chgInfo xmlns:a="http://schemas.openxmlformats.org/drawingml/2006/main" xmlns:r="http://schemas.openxmlformats.org/officeDocument/2006/relationships" xmlns:ac="http://schemas.microsoft.com/office/drawing/2013/main/command" xmlns:pc="http://schemas.microsoft.com/office/powerpoint/2013/main/command">
+  <pc:docChgLst>
+    <pc:chgData name="Jon Olav Sliper" userId="bac1fa31-6bb6-40e0-9a77-a72414f81536" providerId="ADAL" clId="{E5CE51AF-BB8D-4DAA-812A-2D3B0CAFBF9D}"/>
+    <pc:docChg chg="custSel modSld">
+      <pc:chgData name="Jon Olav Sliper" userId="bac1fa31-6bb6-40e0-9a77-a72414f81536" providerId="ADAL" clId="{E5CE51AF-BB8D-4DAA-812A-2D3B0CAFBF9D}" dt="2023-03-14T11:23:37.263" v="1" actId="478"/>
+      <pc:docMkLst>
+        <pc:docMk/>
+      </pc:docMkLst>
+      <pc:sldChg chg="delSp modSp mod">
+        <pc:chgData name="Jon Olav Sliper" userId="bac1fa31-6bb6-40e0-9a77-a72414f81536" providerId="ADAL" clId="{E5CE51AF-BB8D-4DAA-812A-2D3B0CAFBF9D}" dt="2023-03-14T11:23:37.263" v="1" actId="478"/>
+        <pc:sldMkLst>
+          <pc:docMk/>
+          <pc:sldMk cId="2240289989" sldId="3438"/>
+        </pc:sldMkLst>
+        <pc:spChg chg="del mod">
+          <ac:chgData name="Jon Olav Sliper" userId="bac1fa31-6bb6-40e0-9a77-a72414f81536" providerId="ADAL" clId="{E5CE51AF-BB8D-4DAA-812A-2D3B0CAFBF9D}" dt="2023-03-14T11:23:37.263" v="1" actId="478"/>
+          <ac:spMkLst>
+            <pc:docMk/>
+            <pc:sldMk cId="2240289989" sldId="3438"/>
+            <ac:spMk id="2" creationId="{A70BDCCE-D435-EDAD-87DA-46B8DA4A996D}"/>
+          </ac:spMkLst>
+        </pc:spChg>
+      </pc:sldChg>
+    </pc:docChg>
+  </pc:docChgLst>
+</pc:chgInfo>
 </file>
 
 <file path=ppt/notesMasters/notesMaster1.xml><?xml version="1.0" encoding="utf-8"?>
@@ -4102,34 +4131,6 @@
           <a:chExt cx="0" cy="0"/>
         </a:xfrm>
       </p:grpSpPr>
-      <p:sp>
-        <p:nvSpPr>
-          <p:cNvPr id="2" name="Tittel 1">
-            <a:extLst>
-              <a:ext uri="{FF2B5EF4-FFF2-40B4-BE49-F238E27FC236}">
-                <a16:creationId xmlns:a16="http://schemas.microsoft.com/office/drawing/2014/main" id="{A70BDCCE-D435-EDAD-87DA-46B8DA4A996D}"/>
-              </a:ext>
-            </a:extLst>
-          </p:cNvPr>
-          <p:cNvSpPr>
-            <a:spLocks noGrp="1"/>
-          </p:cNvSpPr>
-          <p:nvPr>
-            <p:ph type="ctrTitle"/>
-          </p:nvPr>
-        </p:nvSpPr>
-        <p:spPr/>
-        <p:txBody>
-          <a:bodyPr/>
-          <a:lstStyle/>
-          <a:p>
-            <a:r>
-              <a:rPr lang="nb-NO"/>
-              <a:t>Først litt lek med tall </a:t>
-            </a:r>
-          </a:p>
-        </p:txBody>
-      </p:sp>
       <p:sp>
         <p:nvSpPr>
           <p:cNvPr id="3" name="Undertittel 2">
@@ -5485,4 +5486,298 @@
     </a:ext>
   </a:extLst>
 </a:theme>
+</file>
+
+<file path=customXml/item1.xml><?xml version="1.0" encoding="utf-8"?>
+<?mso-contentType ?>
+<FormTemplates xmlns="http://schemas.microsoft.com/sharepoint/v3/contenttype/forms">
+  <Display>DocumentLibraryForm</Display>
+  <Edit>DocumentLibraryForm</Edit>
+  <New>DocumentLibraryForm</New>
+</FormTemplates>
+</file>
+
+<file path=customXml/item2.xml><?xml version="1.0" encoding="utf-8"?>
+<ct:contentTypeSchema xmlns:ct="http://schemas.microsoft.com/office/2006/metadata/contentType" xmlns:ma="http://schemas.microsoft.com/office/2006/metadata/properties/metaAttributes" ct:_="" ma:_="" ma:contentTypeName="Dokument" ma:contentTypeID="0x0101005BAF6522D6B39A4F809F4AA1655E5CD6" ma:contentTypeVersion="15" ma:contentTypeDescription="Opprett et nytt dokument." ma:contentTypeScope="" ma:versionID="5d2df7d88173eed2472aac31f58c6f9b">
+  <xsd:schema xmlns:xsd="http://www.w3.org/2001/XMLSchema" xmlns:xs="http://www.w3.org/2001/XMLSchema" xmlns:p="http://schemas.microsoft.com/office/2006/metadata/properties" xmlns:ns1="http://schemas.microsoft.com/sharepoint/v3" xmlns:ns2="712f17e0-2077-4e3f-8ea2-c75d02de46ee" xmlns:ns3="4c1e125b-b772-4d2d-8af8-eec310c9bc7c" targetNamespace="http://schemas.microsoft.com/office/2006/metadata/properties" ma:root="true" ma:fieldsID="020ddd7b595e894bbf41ffe05b9a61ec" ns1:_="" ns2:_="" ns3:_="">
+    <xsd:import namespace="http://schemas.microsoft.com/sharepoint/v3"/>
+    <xsd:import namespace="712f17e0-2077-4e3f-8ea2-c75d02de46ee"/>
+    <xsd:import namespace="4c1e125b-b772-4d2d-8af8-eec310c9bc7c"/>
+    <xsd:element name="properties">
+      <xsd:complexType>
+        <xsd:sequence>
+          <xsd:element name="documentManagement">
+            <xsd:complexType>
+              <xsd:all>
+                <xsd:element ref="ns1:PublishingStartDate" minOccurs="0"/>
+                <xsd:element ref="ns1:PublishingExpirationDate" minOccurs="0"/>
+                <xsd:element ref="ns2:MediaServiceMetadata" minOccurs="0"/>
+                <xsd:element ref="ns2:MediaServiceFastMetadata" minOccurs="0"/>
+                <xsd:element ref="ns2:MediaServiceDateTaken" minOccurs="0"/>
+                <xsd:element ref="ns2:MediaServiceAutoTags" minOccurs="0"/>
+                <xsd:element ref="ns2:MediaServiceOCR" minOccurs="0"/>
+                <xsd:element ref="ns2:MediaServiceGenerationTime" minOccurs="0"/>
+                <xsd:element ref="ns2:MediaServiceEventHashCode" minOccurs="0"/>
+                <xsd:element ref="ns2:MediaServiceLocation" minOccurs="0"/>
+                <xsd:element ref="ns2:MediaServiceAutoKeyPoints" minOccurs="0"/>
+                <xsd:element ref="ns2:MediaServiceKeyPoints" minOccurs="0"/>
+                <xsd:element ref="ns2:MediaLengthInSeconds" minOccurs="0"/>
+                <xsd:element ref="ns2:lcf76f155ced4ddcb4097134ff3c332f" minOccurs="0"/>
+                <xsd:element ref="ns3:TaxCatchAll" minOccurs="0"/>
+              </xsd:all>
+            </xsd:complexType>
+          </xsd:element>
+        </xsd:sequence>
+      </xsd:complexType>
+    </xsd:element>
+  </xsd:schema>
+  <xsd:schema xmlns:xsd="http://www.w3.org/2001/XMLSchema" xmlns:xs="http://www.w3.org/2001/XMLSchema" xmlns:dms="http://schemas.microsoft.com/office/2006/documentManagement/types" xmlns:pc="http://schemas.microsoft.com/office/infopath/2007/PartnerControls" targetNamespace="http://schemas.microsoft.com/sharepoint/v3" elementFormDefault="qualified">
+    <xsd:import namespace="http://schemas.microsoft.com/office/2006/documentManagement/types"/>
+    <xsd:import namespace="http://schemas.microsoft.com/office/infopath/2007/PartnerControls"/>
+    <xsd:element name="PublishingStartDate" ma:index="8" nillable="true" ma:displayName="Planlagt startdato" ma:description="Planlagt startdato er en områdekolonne som opprettes av publiseringsfunksjonen. Den brukes til å angi dato og klokkeslett for når denne siden vises for første gang for besøkende på området." ma:hidden="true" ma:internalName="PublishingStartDate">
+      <xsd:simpleType>
+        <xsd:restriction base="dms:Unknown"/>
+      </xsd:simpleType>
+    </xsd:element>
+    <xsd:element name="PublishingExpirationDate" ma:index="9" nillable="true" ma:displayName="Planlagt utløpsdato" ma:description="Planlagt sluttdato er en områdekolonne som opprettes av publiseringsfunksjonen. Den brukes til å angi dato og klokkeslett for når denne siden ikke lenger vises for besøkende på området." ma:hidden="true" ma:internalName="PublishingExpirationDate">
+      <xsd:simpleType>
+        <xsd:restriction base="dms:Unknown"/>
+      </xsd:simpleType>
+    </xsd:element>
+  </xsd:schema>
+  <xsd:schema xmlns:xsd="http://www.w3.org/2001/XMLSchema" xmlns:xs="http://www.w3.org/2001/XMLSchema" xmlns:dms="http://schemas.microsoft.com/office/2006/documentManagement/types" xmlns:pc="http://schemas.microsoft.com/office/infopath/2007/PartnerControls" targetNamespace="712f17e0-2077-4e3f-8ea2-c75d02de46ee" elementFormDefault="qualified">
+    <xsd:import namespace="http://schemas.microsoft.com/office/2006/documentManagement/types"/>
+    <xsd:import namespace="http://schemas.microsoft.com/office/infopath/2007/PartnerControls"/>
+    <xsd:element name="MediaServiceMetadata" ma:index="10" nillable="true" ma:displayName="MediaServiceMetadata" ma:hidden="true" ma:internalName="MediaServiceMetadata" ma:readOnly="true">
+      <xsd:simpleType>
+        <xsd:restriction base="dms:Note"/>
+      </xsd:simpleType>
+    </xsd:element>
+    <xsd:element name="MediaServiceFastMetadata" ma:index="11" nillable="true" ma:displayName="MediaServiceFastMetadata" ma:hidden="true" ma:internalName="MediaServiceFastMetadata" ma:readOnly="true">
+      <xsd:simpleType>
+        <xsd:restriction base="dms:Note"/>
+      </xsd:simpleType>
+    </xsd:element>
+    <xsd:element name="MediaServiceDateTaken" ma:index="12" nillable="true" ma:displayName="MediaServiceDateTaken" ma:hidden="true" ma:internalName="MediaServiceDateTaken" ma:readOnly="true">
+      <xsd:simpleType>
+        <xsd:restriction base="dms:Text"/>
+      </xsd:simpleType>
+    </xsd:element>
+    <xsd:element name="MediaServiceAutoTags" ma:index="13" nillable="true" ma:displayName="Tags" ma:internalName="MediaServiceAutoTags" ma:readOnly="true">
+      <xsd:simpleType>
+        <xsd:restriction base="dms:Text"/>
+      </xsd:simpleType>
+    </xsd:element>
+    <xsd:element name="MediaServiceOCR" ma:index="14" nillable="true" ma:displayName="Extracted Text" ma:internalName="MediaServiceOCR" ma:readOnly="true">
+      <xsd:simpleType>
+        <xsd:restriction base="dms:Note">
+          <xsd:maxLength value="255"/>
+        </xsd:restriction>
+      </xsd:simpleType>
+    </xsd:element>
+    <xsd:element name="MediaServiceGenerationTime" ma:index="15" nillable="true" ma:displayName="MediaServiceGenerationTime" ma:hidden="true" ma:internalName="MediaServiceGenerationTime" ma:readOnly="true">
+      <xsd:simpleType>
+        <xsd:restriction base="dms:Text"/>
+      </xsd:simpleType>
+    </xsd:element>
+    <xsd:element name="MediaServiceEventHashCode" ma:index="16" nillable="true" ma:displayName="MediaServiceEventHashCode" ma:hidden="true" ma:internalName="MediaServiceEventHashCode" ma:readOnly="true">
+      <xsd:simpleType>
+        <xsd:restriction base="dms:Text"/>
+      </xsd:simpleType>
+    </xsd:element>
+    <xsd:element name="MediaServiceLocation" ma:index="17" nillable="true" ma:displayName="Location" ma:internalName="MediaServiceLocation" ma:readOnly="true">
+      <xsd:simpleType>
+        <xsd:restriction base="dms:Text"/>
+      </xsd:simpleType>
+    </xsd:element>
+    <xsd:element name="MediaServiceAutoKeyPoints" ma:index="18" nillable="true" ma:displayName="MediaServiceAutoKeyPoints" ma:hidden="true" ma:internalName="MediaServiceAutoKeyPoints" ma:readOnly="true">
+      <xsd:simpleType>
+        <xsd:restriction base="dms:Note"/>
+      </xsd:simpleType>
+    </xsd:element>
+    <xsd:element name="MediaServiceKeyPoints" ma:index="19" nillable="true" ma:displayName="KeyPoints" ma:internalName="MediaServiceKeyPoints" ma:readOnly="true">
+      <xsd:simpleType>
+        <xsd:restriction base="dms:Note">
+          <xsd:maxLength value="255"/>
+        </xsd:restriction>
+      </xsd:simpleType>
+    </xsd:element>
+    <xsd:element name="MediaLengthInSeconds" ma:index="20" nillable="true" ma:displayName="MediaLengthInSeconds" ma:hidden="true" ma:internalName="MediaLengthInSeconds" ma:readOnly="true">
+      <xsd:simpleType>
+        <xsd:restriction base="dms:Unknown"/>
+      </xsd:simpleType>
+    </xsd:element>
+    <xsd:element name="lcf76f155ced4ddcb4097134ff3c332f" ma:index="22" nillable="true" ma:taxonomy="true" ma:internalName="lcf76f155ced4ddcb4097134ff3c332f" ma:taxonomyFieldName="MediaServiceImageTags" ma:displayName="Bildemerkelapper" ma:readOnly="false" ma:fieldId="{5cf76f15-5ced-4ddc-b409-7134ff3c332f}" ma:taxonomyMulti="true" ma:sspId="17f1e631-7134-4ce3-8a3d-482fd88a4c57" ma:termSetId="09814cd3-568e-fe90-9814-8d621ff8fb84" ma:anchorId="fba54fb3-c3e1-fe81-a776-ca4b69148c4d" ma:open="true" ma:isKeyword="false">
+      <xsd:complexType>
+        <xsd:sequence>
+          <xsd:element ref="pc:Terms" minOccurs="0" maxOccurs="1"/>
+        </xsd:sequence>
+      </xsd:complexType>
+    </xsd:element>
+  </xsd:schema>
+  <xsd:schema xmlns:xsd="http://www.w3.org/2001/XMLSchema" xmlns:xs="http://www.w3.org/2001/XMLSchema" xmlns:dms="http://schemas.microsoft.com/office/2006/documentManagement/types" xmlns:pc="http://schemas.microsoft.com/office/infopath/2007/PartnerControls" targetNamespace="4c1e125b-b772-4d2d-8af8-eec310c9bc7c" elementFormDefault="qualified">
+    <xsd:import namespace="http://schemas.microsoft.com/office/2006/documentManagement/types"/>
+    <xsd:import namespace="http://schemas.microsoft.com/office/infopath/2007/PartnerControls"/>
+    <xsd:element name="TaxCatchAll" ma:index="23" nillable="true" ma:displayName="Taxonomy Catch All Column" ma:hidden="true" ma:list="{cfd1b471-962e-4074-a3f5-f81efd63bd54}" ma:internalName="TaxCatchAll" ma:showField="CatchAllData" ma:web="a65edee0-4267-4101-9877-75c307db3846">
+      <xsd:complexType>
+        <xsd:complexContent>
+          <xsd:extension base="dms:MultiChoiceLookup">
+            <xsd:sequence>
+              <xsd:element name="Value" type="dms:Lookup" maxOccurs="unbounded" minOccurs="0" nillable="true"/>
+            </xsd:sequence>
+          </xsd:extension>
+        </xsd:complexContent>
+      </xsd:complexType>
+    </xsd:element>
+  </xsd:schema>
+  <xsd:schema xmlns="http://schemas.openxmlformats.org/package/2006/metadata/core-properties" xmlns:xsd="http://www.w3.org/2001/XMLSchema" xmlns:xsi="http://www.w3.org/2001/XMLSchema-instance" xmlns:dc="http://purl.org/dc/elements/1.1/" xmlns:dcterms="http://purl.org/dc/terms/" xmlns:odoc="http://schemas.microsoft.com/internal/obd" targetNamespace="http://schemas.openxmlformats.org/package/2006/metadata/core-properties" elementFormDefault="qualified" attributeFormDefault="unqualified" blockDefault="#all">
+    <xsd:import namespace="http://purl.org/dc/elements/1.1/" schemaLocation="http://dublincore.org/schemas/xmls/qdc/2003/04/02/dc.xsd"/>
+    <xsd:import namespace="http://purl.org/dc/terms/" schemaLocation="http://dublincore.org/schemas/xmls/qdc/2003/04/02/dcterms.xsd"/>
+    <xsd:element name="coreProperties" type="CT_coreProperties"/>
+    <xsd:complexType name="CT_coreProperties">
+      <xsd:all>
+        <xsd:element ref="dc:creator" minOccurs="0" maxOccurs="1"/>
+        <xsd:element ref="dcterms:created" minOccurs="0" maxOccurs="1"/>
+        <xsd:element ref="dc:identifier" minOccurs="0" maxOccurs="1"/>
+        <xsd:element name="contentType" minOccurs="0" maxOccurs="1" type="xsd:string" ma:index="0" ma:displayName="Innholdstype"/>
+        <xsd:element ref="dc:title" minOccurs="0" maxOccurs="1" ma:index="4" ma:displayName="Tittel"/>
+        <xsd:element ref="dc:subject" minOccurs="0" maxOccurs="1"/>
+        <xsd:element ref="dc:description" minOccurs="0" maxOccurs="1"/>
+        <xsd:element name="keywords" minOccurs="0" maxOccurs="1" type="xsd:string"/>
+        <xsd:element ref="dc:language" minOccurs="0" maxOccurs="1"/>
+        <xsd:element name="category" minOccurs="0" maxOccurs="1" type="xsd:string"/>
+        <xsd:element name="version" minOccurs="0" maxOccurs="1" type="xsd:string"/>
+        <xsd:element name="revision" minOccurs="0" maxOccurs="1" type="xsd:string">
+          <xsd:annotation>
+            <xsd:documentation>
+                        This value indicates the number of saves or revisions. The application is responsible for updating this value after each revision.
+                    </xsd:documentation>
+          </xsd:annotation>
+        </xsd:element>
+        <xsd:element name="lastModifiedBy" minOccurs="0" maxOccurs="1" type="xsd:string"/>
+        <xsd:element ref="dcterms:modified" minOccurs="0" maxOccurs="1"/>
+        <xsd:element name="contentStatus" minOccurs="0" maxOccurs="1" type="xsd:string"/>
+      </xsd:all>
+    </xsd:complexType>
+  </xsd:schema>
+  <xs:schema xmlns:pc="http://schemas.microsoft.com/office/infopath/2007/PartnerControls" xmlns:xs="http://www.w3.org/2001/XMLSchema" targetNamespace="http://schemas.microsoft.com/office/infopath/2007/PartnerControls" elementFormDefault="qualified" attributeFormDefault="unqualified">
+    <xs:element name="Person">
+      <xs:complexType>
+        <xs:sequence>
+          <xs:element ref="pc:DisplayName" minOccurs="0"/>
+          <xs:element ref="pc:AccountId" minOccurs="0"/>
+          <xs:element ref="pc:AccountType" minOccurs="0"/>
+        </xs:sequence>
+      </xs:complexType>
+    </xs:element>
+    <xs:element name="DisplayName" type="xs:string"/>
+    <xs:element name="AccountId" type="xs:string"/>
+    <xs:element name="AccountType" type="xs:string"/>
+    <xs:element name="BDCAssociatedEntity">
+      <xs:complexType>
+        <xs:sequence>
+          <xs:element ref="pc:BDCEntity" minOccurs="0" maxOccurs="unbounded"/>
+        </xs:sequence>
+        <xs:attribute ref="pc:EntityNamespace"/>
+        <xs:attribute ref="pc:EntityName"/>
+        <xs:attribute ref="pc:SystemInstanceName"/>
+        <xs:attribute ref="pc:AssociationName"/>
+      </xs:complexType>
+    </xs:element>
+    <xs:attribute name="EntityNamespace" type="xs:string"/>
+    <xs:attribute name="EntityName" type="xs:string"/>
+    <xs:attribute name="SystemInstanceName" type="xs:string"/>
+    <xs:attribute name="AssociationName" type="xs:string"/>
+    <xs:element name="BDCEntity">
+      <xs:complexType>
+        <xs:sequence>
+          <xs:element ref="pc:EntityDisplayName" minOccurs="0"/>
+          <xs:element ref="pc:EntityInstanceReference" minOccurs="0"/>
+          <xs:element ref="pc:EntityId1" minOccurs="0"/>
+          <xs:element ref="pc:EntityId2" minOccurs="0"/>
+          <xs:element ref="pc:EntityId3" minOccurs="0"/>
+          <xs:element ref="pc:EntityId4" minOccurs="0"/>
+          <xs:element ref="pc:EntityId5" minOccurs="0"/>
+        </xs:sequence>
+      </xs:complexType>
+    </xs:element>
+    <xs:element name="EntityDisplayName" type="xs:string"/>
+    <xs:element name="EntityInstanceReference" type="xs:string"/>
+    <xs:element name="EntityId1" type="xs:string"/>
+    <xs:element name="EntityId2" type="xs:string"/>
+    <xs:element name="EntityId3" type="xs:string"/>
+    <xs:element name="EntityId4" type="xs:string"/>
+    <xs:element name="EntityId5" type="xs:string"/>
+    <xs:element name="Terms">
+      <xs:complexType>
+        <xs:sequence>
+          <xs:element ref="pc:TermInfo" minOccurs="0" maxOccurs="unbounded"/>
+        </xs:sequence>
+      </xs:complexType>
+    </xs:element>
+    <xs:element name="TermInfo">
+      <xs:complexType>
+        <xs:sequence>
+          <xs:element ref="pc:TermName" minOccurs="0"/>
+          <xs:element ref="pc:TermId" minOccurs="0"/>
+        </xs:sequence>
+      </xs:complexType>
+    </xs:element>
+    <xs:element name="TermName" type="xs:string"/>
+    <xs:element name="TermId" type="xs:string"/>
+  </xs:schema>
+</ct:contentTypeSchema>
+</file>
+
+<file path=customXml/item3.xml><?xml version="1.0" encoding="utf-8"?>
+<p:properties xmlns:p="http://schemas.microsoft.com/office/2006/metadata/properties" xmlns:xsi="http://www.w3.org/2001/XMLSchema-instance" xmlns:pc="http://schemas.microsoft.com/office/infopath/2007/PartnerControls">
+  <documentManagement>
+    <TaxCatchAll xmlns="4c1e125b-b772-4d2d-8af8-eec310c9bc7c" xsi:nil="true"/>
+    <PublishingExpirationDate xmlns="http://schemas.microsoft.com/sharepoint/v3" xsi:nil="true"/>
+    <PublishingStartDate xmlns="http://schemas.microsoft.com/sharepoint/v3" xsi:nil="true"/>
+    <lcf76f155ced4ddcb4097134ff3c332f xmlns="712f17e0-2077-4e3f-8ea2-c75d02de46ee">
+      <Terms xmlns="http://schemas.microsoft.com/office/infopath/2007/PartnerControls"/>
+    </lcf76f155ced4ddcb4097134ff3c332f>
+  </documentManagement>
+</p:properties>
+</file>
+
+<file path=customXml/itemProps1.xml><?xml version="1.0" encoding="utf-8"?>
+<ds:datastoreItem xmlns:ds="http://schemas.openxmlformats.org/officeDocument/2006/customXml" ds:itemID="{468A2F42-606B-44E0-ABE0-3F438B618B4C}">
+  <ds:schemaRefs>
+    <ds:schemaRef ds:uri="http://schemas.microsoft.com/sharepoint/v3/contenttype/forms"/>
+  </ds:schemaRefs>
+</ds:datastoreItem>
+</file>
+
+<file path=customXml/itemProps2.xml><?xml version="1.0" encoding="utf-8"?>
+<ds:datastoreItem xmlns:ds="http://schemas.openxmlformats.org/officeDocument/2006/customXml" ds:itemID="{CB444169-8B07-48D7-9886-CC2CFD54432F}">
+  <ds:schemaRefs>
+    <ds:schemaRef ds:uri="http://schemas.microsoft.com/office/2006/metadata/contentType"/>
+    <ds:schemaRef ds:uri="http://schemas.microsoft.com/office/2006/metadata/properties/metaAttributes"/>
+    <ds:schemaRef ds:uri="http://www.w3.org/2001/XMLSchema"/>
+    <ds:schemaRef ds:uri="http://schemas.microsoft.com/office/2006/metadata/properties"/>
+    <ds:schemaRef ds:uri="http://schemas.microsoft.com/sharepoint/v3"/>
+    <ds:schemaRef ds:uri="712f17e0-2077-4e3f-8ea2-c75d02de46ee"/>
+    <ds:schemaRef ds:uri="4c1e125b-b772-4d2d-8af8-eec310c9bc7c"/>
+    <ds:schemaRef ds:uri="http://schemas.microsoft.com/office/2006/documentManagement/types"/>
+    <ds:schemaRef ds:uri="http://schemas.microsoft.com/office/infopath/2007/PartnerControls"/>
+    <ds:schemaRef ds:uri="http://schemas.openxmlformats.org/package/2006/metadata/core-properties"/>
+    <ds:schemaRef ds:uri="http://purl.org/dc/elements/1.1/"/>
+    <ds:schemaRef ds:uri="http://purl.org/dc/terms/"/>
+    <ds:schemaRef ds:uri="http://schemas.microsoft.com/internal/obd"/>
+  </ds:schemaRefs>
+</ds:datastoreItem>
+</file>
+
+<file path=customXml/itemProps3.xml><?xml version="1.0" encoding="utf-8"?>
+<ds:datastoreItem xmlns:ds="http://schemas.openxmlformats.org/officeDocument/2006/customXml" ds:itemID="{D11C7025-FCD0-405A-85DF-3D4C909BE422}">
+  <ds:schemaRefs>
+    <ds:schemaRef ds:uri="http://schemas.microsoft.com/office/2006/metadata/properties"/>
+    <ds:schemaRef ds:uri="http://schemas.microsoft.com/office/infopath/2007/PartnerControls"/>
+    <ds:schemaRef ds:uri="4c1e125b-b772-4d2d-8af8-eec310c9bc7c"/>
+    <ds:schemaRef ds:uri="http://schemas.microsoft.com/sharepoint/v3"/>
+    <ds:schemaRef ds:uri="712f17e0-2077-4e3f-8ea2-c75d02de46ee"/>
+  </ds:schemaRefs>
+</ds:datastoreItem>
 </file>